--- a/OHOCamelWebService/docu/OhoCamelDocu.pptx
+++ b/OHOCamelWebService/docu/OhoCamelDocu.pptx
@@ -214,7 +214,7 @@
           <a:p>
             <a:fld id="{7A091048-65EE-47A7-A9F7-D18529E4DD78}" type="datetimeFigureOut">
               <a:rPr lang="de-DE" smtClean="0"/>
-              <a:t>14.08.2020</a:t>
+              <a:t>21.08.2020</a:t>
             </a:fld>
             <a:endParaRPr lang="de-DE" dirty="0"/>
           </a:p>
@@ -909,7 +909,7 @@
           <a:p>
             <a:fld id="{298F6515-3D51-450C-B96D-5E0F813738E7}" type="datetimeFigureOut">
               <a:rPr lang="de-DE" smtClean="0"/>
-              <a:t>14.08.2020</a:t>
+              <a:t>21.08.2020</a:t>
             </a:fld>
             <a:endParaRPr lang="de-DE" dirty="0"/>
           </a:p>
@@ -1079,7 +1079,7 @@
           <a:p>
             <a:fld id="{298F6515-3D51-450C-B96D-5E0F813738E7}" type="datetimeFigureOut">
               <a:rPr lang="de-DE" smtClean="0"/>
-              <a:t>14.08.2020</a:t>
+              <a:t>21.08.2020</a:t>
             </a:fld>
             <a:endParaRPr lang="de-DE" dirty="0"/>
           </a:p>
@@ -1259,7 +1259,7 @@
           <a:p>
             <a:fld id="{298F6515-3D51-450C-B96D-5E0F813738E7}" type="datetimeFigureOut">
               <a:rPr lang="de-DE" smtClean="0"/>
-              <a:t>14.08.2020</a:t>
+              <a:t>21.08.2020</a:t>
             </a:fld>
             <a:endParaRPr lang="de-DE" dirty="0"/>
           </a:p>
@@ -1429,7 +1429,7 @@
           <a:p>
             <a:fld id="{298F6515-3D51-450C-B96D-5E0F813738E7}" type="datetimeFigureOut">
               <a:rPr lang="de-DE" smtClean="0"/>
-              <a:t>14.08.2020</a:t>
+              <a:t>21.08.2020</a:t>
             </a:fld>
             <a:endParaRPr lang="de-DE" dirty="0"/>
           </a:p>
@@ -1675,7 +1675,7 @@
           <a:p>
             <a:fld id="{298F6515-3D51-450C-B96D-5E0F813738E7}" type="datetimeFigureOut">
               <a:rPr lang="de-DE" smtClean="0"/>
-              <a:t>14.08.2020</a:t>
+              <a:t>21.08.2020</a:t>
             </a:fld>
             <a:endParaRPr lang="de-DE" dirty="0"/>
           </a:p>
@@ -1963,7 +1963,7 @@
           <a:p>
             <a:fld id="{298F6515-3D51-450C-B96D-5E0F813738E7}" type="datetimeFigureOut">
               <a:rPr lang="de-DE" smtClean="0"/>
-              <a:t>14.08.2020</a:t>
+              <a:t>21.08.2020</a:t>
             </a:fld>
             <a:endParaRPr lang="de-DE" dirty="0"/>
           </a:p>
@@ -2385,7 +2385,7 @@
           <a:p>
             <a:fld id="{298F6515-3D51-450C-B96D-5E0F813738E7}" type="datetimeFigureOut">
               <a:rPr lang="de-DE" smtClean="0"/>
-              <a:t>14.08.2020</a:t>
+              <a:t>21.08.2020</a:t>
             </a:fld>
             <a:endParaRPr lang="de-DE" dirty="0"/>
           </a:p>
@@ -2503,7 +2503,7 @@
           <a:p>
             <a:fld id="{298F6515-3D51-450C-B96D-5E0F813738E7}" type="datetimeFigureOut">
               <a:rPr lang="de-DE" smtClean="0"/>
-              <a:t>14.08.2020</a:t>
+              <a:t>21.08.2020</a:t>
             </a:fld>
             <a:endParaRPr lang="de-DE" dirty="0"/>
           </a:p>
@@ -2598,7 +2598,7 @@
           <a:p>
             <a:fld id="{298F6515-3D51-450C-B96D-5E0F813738E7}" type="datetimeFigureOut">
               <a:rPr lang="de-DE" smtClean="0"/>
-              <a:t>14.08.2020</a:t>
+              <a:t>21.08.2020</a:t>
             </a:fld>
             <a:endParaRPr lang="de-DE" dirty="0"/>
           </a:p>
@@ -2875,7 +2875,7 @@
           <a:p>
             <a:fld id="{298F6515-3D51-450C-B96D-5E0F813738E7}" type="datetimeFigureOut">
               <a:rPr lang="de-DE" smtClean="0"/>
-              <a:t>14.08.2020</a:t>
+              <a:t>21.08.2020</a:t>
             </a:fld>
             <a:endParaRPr lang="de-DE" dirty="0"/>
           </a:p>
@@ -3128,7 +3128,7 @@
           <a:p>
             <a:fld id="{298F6515-3D51-450C-B96D-5E0F813738E7}" type="datetimeFigureOut">
               <a:rPr lang="de-DE" smtClean="0"/>
-              <a:t>14.08.2020</a:t>
+              <a:t>21.08.2020</a:t>
             </a:fld>
             <a:endParaRPr lang="de-DE" dirty="0"/>
           </a:p>
@@ -3341,7 +3341,7 @@
           <a:p>
             <a:fld id="{298F6515-3D51-450C-B96D-5E0F813738E7}" type="datetimeFigureOut">
               <a:rPr lang="de-DE" smtClean="0"/>
-              <a:t>14.08.2020</a:t>
+              <a:t>21.08.2020</a:t>
             </a:fld>
             <a:endParaRPr lang="de-DE" dirty="0"/>
           </a:p>
@@ -4331,11 +4331,6 @@
               </a:rPr>
               <a:t>Scripts*)</a:t>
             </a:r>
-            <a:endParaRPr lang="de-DE" sz="1400" b="1" i="1" dirty="0" smtClean="0">
-              <a:solidFill>
-                <a:schemeClr val="tx2"/>
-              </a:solidFill>
-            </a:endParaRPr>
           </a:p>
         </p:txBody>
       </p:sp>
@@ -4381,11 +4376,6 @@
               </a:rPr>
               <a:t> </a:t>
             </a:r>
-            <a:endParaRPr lang="de-DE" sz="1400" b="1" i="1" dirty="0" smtClean="0">
-              <a:solidFill>
-                <a:schemeClr val="tx2"/>
-              </a:solidFill>
-            </a:endParaRPr>
           </a:p>
           <a:p>
             <a:pPr algn="ctr">
@@ -4493,11 +4483,6 @@
               </a:rPr>
               <a:t>Groovy Scripts*</a:t>
             </a:r>
-            <a:endParaRPr lang="de-DE" sz="1400" b="1" i="1" dirty="0" smtClean="0">
-              <a:solidFill>
-                <a:schemeClr val="tx2"/>
-              </a:solidFill>
-            </a:endParaRPr>
           </a:p>
         </p:txBody>
       </p:sp>
@@ -4620,11 +4605,6 @@
               </a:rPr>
               <a:t>Groovy Scripts*</a:t>
             </a:r>
-            <a:endParaRPr lang="de-DE" sz="1400" b="1" i="1" dirty="0" smtClean="0">
-              <a:solidFill>
-                <a:schemeClr val="tx2"/>
-              </a:solidFill>
-            </a:endParaRPr>
           </a:p>
         </p:txBody>
       </p:sp>
@@ -4661,15 +4641,7 @@
                   <a:schemeClr val="tx2"/>
                 </a:solidFill>
               </a:rPr>
-              <a:t>* </a:t>
-            </a:r>
-            <a:r>
-              <a:rPr lang="de-DE" sz="1400" b="1" i="1" dirty="0" smtClean="0">
-                <a:solidFill>
-                  <a:schemeClr val="tx2"/>
-                </a:solidFill>
-              </a:rPr>
-              <a:t>Groovy Scripts </a:t>
+              <a:t>* Groovy Scripts </a:t>
             </a:r>
             <a:r>
               <a:rPr lang="de-DE" sz="1400" b="1" i="1" dirty="0" err="1" smtClean="0">
@@ -4894,11 +4866,6 @@
               </a:rPr>
               <a:t>!</a:t>
             </a:r>
-            <a:endParaRPr lang="de-DE" sz="1400" b="1" i="1" dirty="0" smtClean="0">
-              <a:solidFill>
-                <a:schemeClr val="tx2"/>
-              </a:solidFill>
-            </a:endParaRPr>
           </a:p>
         </p:txBody>
       </p:sp>
@@ -4934,31 +4901,23 @@
       </p:grpSpPr>
       <p:sp>
         <p:nvSpPr>
-          <p:cNvPr id="4" name="Smiley 3"/>
+          <p:cNvPr id="22" name="Flussdiagramm: Prozess 21"/>
           <p:cNvSpPr/>
           <p:nvPr/>
         </p:nvSpPr>
         <p:spPr>
           <a:xfrm>
-            <a:off x="323528" y="1295757"/>
-            <a:ext cx="792088" cy="720080"/>
-          </a:xfrm>
-          <a:prstGeom prst="smileyFace">
+            <a:off x="827584" y="1628800"/>
+            <a:ext cx="7704856" cy="4032448"/>
+          </a:xfrm>
+          <a:prstGeom prst="flowChartProcess">
             <a:avLst/>
           </a:prstGeom>
           <a:solidFill>
-            <a:schemeClr val="accent6">
-              <a:lumMod val="20000"/>
-              <a:lumOff val="80000"/>
+            <a:schemeClr val="bg1">
+              <a:lumMod val="95000"/>
             </a:schemeClr>
           </a:solidFill>
-          <a:ln>
-            <a:solidFill>
-              <a:schemeClr val="accent6">
-                <a:lumMod val="50000"/>
-              </a:schemeClr>
-            </a:solidFill>
-          </a:ln>
         </p:spPr>
         <p:style>
           <a:lnRef idx="2">
@@ -4977,67 +4936,285 @@
           </a:fontRef>
         </p:style>
         <p:txBody>
-          <a:bodyPr rtlCol="0" anchor="ctr"/>
-          <a:lstStyle/>
-          <a:p>
-            <a:pPr algn="ctr"/>
-            <a:endParaRPr lang="de-DE" dirty="0"/>
-          </a:p>
-        </p:txBody>
-      </p:sp>
-      <p:cxnSp>
-        <p:nvCxnSpPr>
-          <p:cNvPr id="11" name="Gerade Verbindung mit Pfeil 10"/>
-          <p:cNvCxnSpPr>
-            <a:stCxn id="18" idx="6"/>
-            <a:endCxn id="36" idx="1"/>
-          </p:cNvCxnSpPr>
-          <p:nvPr/>
-        </p:nvCxnSpPr>
-        <p:spPr>
-          <a:xfrm flipV="1">
-            <a:off x="1115616" y="3356992"/>
-            <a:ext cx="1800200" cy="14572"/>
-          </a:xfrm>
-          <a:prstGeom prst="straightConnector1">
-            <a:avLst/>
-          </a:prstGeom>
-          <a:ln>
-            <a:tailEnd type="triangle" w="lg" len="lg"/>
-          </a:ln>
-        </p:spPr>
-        <p:style>
-          <a:lnRef idx="1">
-            <a:schemeClr val="accent1"/>
-          </a:lnRef>
-          <a:fillRef idx="0">
-            <a:schemeClr val="accent1"/>
-          </a:fillRef>
-          <a:effectRef idx="0">
-            <a:schemeClr val="accent1"/>
-          </a:effectRef>
-          <a:fontRef idx="minor">
-            <a:schemeClr val="tx1"/>
-          </a:fontRef>
-        </p:style>
-      </p:cxnSp>
-      <p:sp>
-        <p:nvSpPr>
-          <p:cNvPr id="36" name="Flussdiagramm: Prozess 35"/>
+          <a:bodyPr rtlCol="0" anchor="t" anchorCtr="0"/>
+          <a:lstStyle>
+            <a:defPPr>
+              <a:defRPr lang="de-DE"/>
+            </a:defPPr>
+            <a:lvl1pPr marL="0" algn="l" defTabSz="914400" rtl="0" eaLnBrk="1" latinLnBrk="0" hangingPunct="1">
+              <a:defRPr sz="1800" kern="1200">
+                <a:solidFill>
+                  <a:schemeClr val="lt1"/>
+                </a:solidFill>
+                <a:latin typeface="+mn-lt"/>
+                <a:ea typeface="+mn-ea"/>
+                <a:cs typeface="+mn-cs"/>
+              </a:defRPr>
+            </a:lvl1pPr>
+            <a:lvl2pPr marL="457200" algn="l" defTabSz="914400" rtl="0" eaLnBrk="1" latinLnBrk="0" hangingPunct="1">
+              <a:defRPr sz="1800" kern="1200">
+                <a:solidFill>
+                  <a:schemeClr val="lt1"/>
+                </a:solidFill>
+                <a:latin typeface="+mn-lt"/>
+                <a:ea typeface="+mn-ea"/>
+                <a:cs typeface="+mn-cs"/>
+              </a:defRPr>
+            </a:lvl2pPr>
+            <a:lvl3pPr marL="914400" algn="l" defTabSz="914400" rtl="0" eaLnBrk="1" latinLnBrk="0" hangingPunct="1">
+              <a:defRPr sz="1800" kern="1200">
+                <a:solidFill>
+                  <a:schemeClr val="lt1"/>
+                </a:solidFill>
+                <a:latin typeface="+mn-lt"/>
+                <a:ea typeface="+mn-ea"/>
+                <a:cs typeface="+mn-cs"/>
+              </a:defRPr>
+            </a:lvl3pPr>
+            <a:lvl4pPr marL="1371600" algn="l" defTabSz="914400" rtl="0" eaLnBrk="1" latinLnBrk="0" hangingPunct="1">
+              <a:defRPr sz="1800" kern="1200">
+                <a:solidFill>
+                  <a:schemeClr val="lt1"/>
+                </a:solidFill>
+                <a:latin typeface="+mn-lt"/>
+                <a:ea typeface="+mn-ea"/>
+                <a:cs typeface="+mn-cs"/>
+              </a:defRPr>
+            </a:lvl4pPr>
+            <a:lvl5pPr marL="1828800" algn="l" defTabSz="914400" rtl="0" eaLnBrk="1" latinLnBrk="0" hangingPunct="1">
+              <a:defRPr sz="1800" kern="1200">
+                <a:solidFill>
+                  <a:schemeClr val="lt1"/>
+                </a:solidFill>
+                <a:latin typeface="+mn-lt"/>
+                <a:ea typeface="+mn-ea"/>
+                <a:cs typeface="+mn-cs"/>
+              </a:defRPr>
+            </a:lvl5pPr>
+            <a:lvl6pPr marL="2286000" algn="l" defTabSz="914400" rtl="0" eaLnBrk="1" latinLnBrk="0" hangingPunct="1">
+              <a:defRPr sz="1800" kern="1200">
+                <a:solidFill>
+                  <a:schemeClr val="lt1"/>
+                </a:solidFill>
+                <a:latin typeface="+mn-lt"/>
+                <a:ea typeface="+mn-ea"/>
+                <a:cs typeface="+mn-cs"/>
+              </a:defRPr>
+            </a:lvl6pPr>
+            <a:lvl7pPr marL="2743200" algn="l" defTabSz="914400" rtl="0" eaLnBrk="1" latinLnBrk="0" hangingPunct="1">
+              <a:defRPr sz="1800" kern="1200">
+                <a:solidFill>
+                  <a:schemeClr val="lt1"/>
+                </a:solidFill>
+                <a:latin typeface="+mn-lt"/>
+                <a:ea typeface="+mn-ea"/>
+                <a:cs typeface="+mn-cs"/>
+              </a:defRPr>
+            </a:lvl7pPr>
+            <a:lvl8pPr marL="3200400" algn="l" defTabSz="914400" rtl="0" eaLnBrk="1" latinLnBrk="0" hangingPunct="1">
+              <a:defRPr sz="1800" kern="1200">
+                <a:solidFill>
+                  <a:schemeClr val="lt1"/>
+                </a:solidFill>
+                <a:latin typeface="+mn-lt"/>
+                <a:ea typeface="+mn-ea"/>
+                <a:cs typeface="+mn-cs"/>
+              </a:defRPr>
+            </a:lvl8pPr>
+            <a:lvl9pPr marL="3657600" algn="l" defTabSz="914400" rtl="0" eaLnBrk="1" latinLnBrk="0" hangingPunct="1">
+              <a:defRPr sz="1800" kern="1200">
+                <a:solidFill>
+                  <a:schemeClr val="lt1"/>
+                </a:solidFill>
+                <a:latin typeface="+mn-lt"/>
+                <a:ea typeface="+mn-ea"/>
+                <a:cs typeface="+mn-cs"/>
+              </a:defRPr>
+            </a:lvl9pPr>
+          </a:lstStyle>
+          <a:p>
+            <a:pPr algn="r"/>
+            <a:r>
+              <a:rPr lang="de-DE" b="1" dirty="0" smtClean="0">
+                <a:solidFill>
+                  <a:schemeClr val="tx1"/>
+                </a:solidFill>
+              </a:rPr>
+              <a:t>&lt;&lt;</a:t>
+            </a:r>
+            <a:r>
+              <a:rPr lang="de-DE" b="1" dirty="0" err="1" smtClean="0">
+                <a:solidFill>
+                  <a:schemeClr val="tx1"/>
+                </a:solidFill>
+              </a:rPr>
+              <a:t>OhoCameWebService</a:t>
+            </a:r>
+            <a:r>
+              <a:rPr lang="de-DE" b="1" dirty="0" smtClean="0">
+                <a:solidFill>
+                  <a:schemeClr val="tx1"/>
+                </a:solidFill>
+              </a:rPr>
+              <a:t>&gt;&gt;</a:t>
+            </a:r>
+            <a:endParaRPr lang="de-DE" b="1" dirty="0">
+              <a:solidFill>
+                <a:schemeClr val="tx1"/>
+              </a:solidFill>
+            </a:endParaRPr>
+          </a:p>
+        </p:txBody>
+      </p:sp>
+      <p:sp>
+        <p:nvSpPr>
+          <p:cNvPr id="23" name="Textfeld 1"/>
+          <p:cNvSpPr txBox="1"/>
+          <p:nvPr/>
+        </p:nvSpPr>
+        <p:spPr>
+          <a:xfrm>
+            <a:off x="3131840" y="830614"/>
+            <a:ext cx="2824812" cy="461665"/>
+          </a:xfrm>
+          <a:prstGeom prst="rect">
+            <a:avLst/>
+          </a:prstGeom>
+          <a:noFill/>
+        </p:spPr>
+        <p:txBody>
+          <a:bodyPr wrap="none" rtlCol="0">
+            <a:spAutoFit/>
+          </a:bodyPr>
+          <a:lstStyle>
+            <a:defPPr>
+              <a:defRPr lang="de-DE"/>
+            </a:defPPr>
+            <a:lvl1pPr marL="0" algn="l" defTabSz="914400" rtl="0" eaLnBrk="1" latinLnBrk="0" hangingPunct="1">
+              <a:defRPr sz="1800" kern="1200">
+                <a:solidFill>
+                  <a:schemeClr val="tx1"/>
+                </a:solidFill>
+                <a:latin typeface="+mn-lt"/>
+                <a:ea typeface="+mn-ea"/>
+                <a:cs typeface="+mn-cs"/>
+              </a:defRPr>
+            </a:lvl1pPr>
+            <a:lvl2pPr marL="457200" algn="l" defTabSz="914400" rtl="0" eaLnBrk="1" latinLnBrk="0" hangingPunct="1">
+              <a:defRPr sz="1800" kern="1200">
+                <a:solidFill>
+                  <a:schemeClr val="tx1"/>
+                </a:solidFill>
+                <a:latin typeface="+mn-lt"/>
+                <a:ea typeface="+mn-ea"/>
+                <a:cs typeface="+mn-cs"/>
+              </a:defRPr>
+            </a:lvl2pPr>
+            <a:lvl3pPr marL="914400" algn="l" defTabSz="914400" rtl="0" eaLnBrk="1" latinLnBrk="0" hangingPunct="1">
+              <a:defRPr sz="1800" kern="1200">
+                <a:solidFill>
+                  <a:schemeClr val="tx1"/>
+                </a:solidFill>
+                <a:latin typeface="+mn-lt"/>
+                <a:ea typeface="+mn-ea"/>
+                <a:cs typeface="+mn-cs"/>
+              </a:defRPr>
+            </a:lvl3pPr>
+            <a:lvl4pPr marL="1371600" algn="l" defTabSz="914400" rtl="0" eaLnBrk="1" latinLnBrk="0" hangingPunct="1">
+              <a:defRPr sz="1800" kern="1200">
+                <a:solidFill>
+                  <a:schemeClr val="tx1"/>
+                </a:solidFill>
+                <a:latin typeface="+mn-lt"/>
+                <a:ea typeface="+mn-ea"/>
+                <a:cs typeface="+mn-cs"/>
+              </a:defRPr>
+            </a:lvl4pPr>
+            <a:lvl5pPr marL="1828800" algn="l" defTabSz="914400" rtl="0" eaLnBrk="1" latinLnBrk="0" hangingPunct="1">
+              <a:defRPr sz="1800" kern="1200">
+                <a:solidFill>
+                  <a:schemeClr val="tx1"/>
+                </a:solidFill>
+                <a:latin typeface="+mn-lt"/>
+                <a:ea typeface="+mn-ea"/>
+                <a:cs typeface="+mn-cs"/>
+              </a:defRPr>
+            </a:lvl5pPr>
+            <a:lvl6pPr marL="2286000" algn="l" defTabSz="914400" rtl="0" eaLnBrk="1" latinLnBrk="0" hangingPunct="1">
+              <a:defRPr sz="1800" kern="1200">
+                <a:solidFill>
+                  <a:schemeClr val="tx1"/>
+                </a:solidFill>
+                <a:latin typeface="+mn-lt"/>
+                <a:ea typeface="+mn-ea"/>
+                <a:cs typeface="+mn-cs"/>
+              </a:defRPr>
+            </a:lvl6pPr>
+            <a:lvl7pPr marL="2743200" algn="l" defTabSz="914400" rtl="0" eaLnBrk="1" latinLnBrk="0" hangingPunct="1">
+              <a:defRPr sz="1800" kern="1200">
+                <a:solidFill>
+                  <a:schemeClr val="tx1"/>
+                </a:solidFill>
+                <a:latin typeface="+mn-lt"/>
+                <a:ea typeface="+mn-ea"/>
+                <a:cs typeface="+mn-cs"/>
+              </a:defRPr>
+            </a:lvl7pPr>
+            <a:lvl8pPr marL="3200400" algn="l" defTabSz="914400" rtl="0" eaLnBrk="1" latinLnBrk="0" hangingPunct="1">
+              <a:defRPr sz="1800" kern="1200">
+                <a:solidFill>
+                  <a:schemeClr val="tx1"/>
+                </a:solidFill>
+                <a:latin typeface="+mn-lt"/>
+                <a:ea typeface="+mn-ea"/>
+                <a:cs typeface="+mn-cs"/>
+              </a:defRPr>
+            </a:lvl8pPr>
+            <a:lvl9pPr marL="3657600" algn="l" defTabSz="914400" rtl="0" eaLnBrk="1" latinLnBrk="0" hangingPunct="1">
+              <a:defRPr sz="1800" kern="1200">
+                <a:solidFill>
+                  <a:schemeClr val="tx1"/>
+                </a:solidFill>
+                <a:latin typeface="+mn-lt"/>
+                <a:ea typeface="+mn-ea"/>
+                <a:cs typeface="+mn-cs"/>
+              </a:defRPr>
+            </a:lvl9pPr>
+          </a:lstStyle>
+          <a:p>
+            <a:r>
+              <a:rPr lang="de-DE" sz="2400" b="1" dirty="0" err="1" smtClean="0"/>
+              <a:t>Component</a:t>
+            </a:r>
+            <a:r>
+              <a:rPr lang="de-DE" sz="2400" b="1" dirty="0" smtClean="0"/>
+              <a:t> </a:t>
+            </a:r>
+            <a:r>
+              <a:rPr lang="de-DE" sz="2400" b="1" dirty="0" err="1" smtClean="0"/>
+              <a:t>Diagram</a:t>
+            </a:r>
+            <a:endParaRPr lang="de-DE" sz="2400" b="1" dirty="0"/>
+          </a:p>
+        </p:txBody>
+      </p:sp>
+      <p:sp>
+        <p:nvSpPr>
+          <p:cNvPr id="25" name="Flussdiagramm: Prozess 24"/>
           <p:cNvSpPr/>
           <p:nvPr/>
         </p:nvSpPr>
         <p:spPr>
           <a:xfrm>
-            <a:off x="2915816" y="1340768"/>
-            <a:ext cx="3240360" cy="4032448"/>
+            <a:off x="1187624" y="2204864"/>
+            <a:ext cx="6904384" cy="864096"/>
           </a:xfrm>
           <a:prstGeom prst="flowChartProcess">
             <a:avLst/>
           </a:prstGeom>
           <a:solidFill>
             <a:schemeClr val="bg1">
-              <a:lumMod val="95000"/>
+              <a:lumMod val="85000"/>
             </a:schemeClr>
           </a:solidFill>
         </p:spPr>
@@ -5059,7 +5236,101 @@
         </p:style>
         <p:txBody>
           <a:bodyPr rtlCol="0" anchor="t" anchorCtr="0"/>
-          <a:lstStyle/>
+          <a:lstStyle>
+            <a:defPPr>
+              <a:defRPr lang="de-DE"/>
+            </a:defPPr>
+            <a:lvl1pPr marL="0" algn="l" defTabSz="914400" rtl="0" eaLnBrk="1" latinLnBrk="0" hangingPunct="1">
+              <a:defRPr sz="1800" kern="1200">
+                <a:solidFill>
+                  <a:schemeClr val="lt1"/>
+                </a:solidFill>
+                <a:latin typeface="+mn-lt"/>
+                <a:ea typeface="+mn-ea"/>
+                <a:cs typeface="+mn-cs"/>
+              </a:defRPr>
+            </a:lvl1pPr>
+            <a:lvl2pPr marL="457200" algn="l" defTabSz="914400" rtl="0" eaLnBrk="1" latinLnBrk="0" hangingPunct="1">
+              <a:defRPr sz="1800" kern="1200">
+                <a:solidFill>
+                  <a:schemeClr val="lt1"/>
+                </a:solidFill>
+                <a:latin typeface="+mn-lt"/>
+                <a:ea typeface="+mn-ea"/>
+                <a:cs typeface="+mn-cs"/>
+              </a:defRPr>
+            </a:lvl2pPr>
+            <a:lvl3pPr marL="914400" algn="l" defTabSz="914400" rtl="0" eaLnBrk="1" latinLnBrk="0" hangingPunct="1">
+              <a:defRPr sz="1800" kern="1200">
+                <a:solidFill>
+                  <a:schemeClr val="lt1"/>
+                </a:solidFill>
+                <a:latin typeface="+mn-lt"/>
+                <a:ea typeface="+mn-ea"/>
+                <a:cs typeface="+mn-cs"/>
+              </a:defRPr>
+            </a:lvl3pPr>
+            <a:lvl4pPr marL="1371600" algn="l" defTabSz="914400" rtl="0" eaLnBrk="1" latinLnBrk="0" hangingPunct="1">
+              <a:defRPr sz="1800" kern="1200">
+                <a:solidFill>
+                  <a:schemeClr val="lt1"/>
+                </a:solidFill>
+                <a:latin typeface="+mn-lt"/>
+                <a:ea typeface="+mn-ea"/>
+                <a:cs typeface="+mn-cs"/>
+              </a:defRPr>
+            </a:lvl4pPr>
+            <a:lvl5pPr marL="1828800" algn="l" defTabSz="914400" rtl="0" eaLnBrk="1" latinLnBrk="0" hangingPunct="1">
+              <a:defRPr sz="1800" kern="1200">
+                <a:solidFill>
+                  <a:schemeClr val="lt1"/>
+                </a:solidFill>
+                <a:latin typeface="+mn-lt"/>
+                <a:ea typeface="+mn-ea"/>
+                <a:cs typeface="+mn-cs"/>
+              </a:defRPr>
+            </a:lvl5pPr>
+            <a:lvl6pPr marL="2286000" algn="l" defTabSz="914400" rtl="0" eaLnBrk="1" latinLnBrk="0" hangingPunct="1">
+              <a:defRPr sz="1800" kern="1200">
+                <a:solidFill>
+                  <a:schemeClr val="lt1"/>
+                </a:solidFill>
+                <a:latin typeface="+mn-lt"/>
+                <a:ea typeface="+mn-ea"/>
+                <a:cs typeface="+mn-cs"/>
+              </a:defRPr>
+            </a:lvl6pPr>
+            <a:lvl7pPr marL="2743200" algn="l" defTabSz="914400" rtl="0" eaLnBrk="1" latinLnBrk="0" hangingPunct="1">
+              <a:defRPr sz="1800" kern="1200">
+                <a:solidFill>
+                  <a:schemeClr val="lt1"/>
+                </a:solidFill>
+                <a:latin typeface="+mn-lt"/>
+                <a:ea typeface="+mn-ea"/>
+                <a:cs typeface="+mn-cs"/>
+              </a:defRPr>
+            </a:lvl7pPr>
+            <a:lvl8pPr marL="3200400" algn="l" defTabSz="914400" rtl="0" eaLnBrk="1" latinLnBrk="0" hangingPunct="1">
+              <a:defRPr sz="1800" kern="1200">
+                <a:solidFill>
+                  <a:schemeClr val="lt1"/>
+                </a:solidFill>
+                <a:latin typeface="+mn-lt"/>
+                <a:ea typeface="+mn-ea"/>
+                <a:cs typeface="+mn-cs"/>
+              </a:defRPr>
+            </a:lvl8pPr>
+            <a:lvl9pPr marL="3657600" algn="l" defTabSz="914400" rtl="0" eaLnBrk="1" latinLnBrk="0" hangingPunct="1">
+              <a:defRPr sz="1800" kern="1200">
+                <a:solidFill>
+                  <a:schemeClr val="lt1"/>
+                </a:solidFill>
+                <a:latin typeface="+mn-lt"/>
+                <a:ea typeface="+mn-ea"/>
+                <a:cs typeface="+mn-cs"/>
+              </a:defRPr>
+            </a:lvl9pPr>
+          </a:lstStyle>
           <a:p>
             <a:pPr algn="r"/>
             <a:r>
@@ -5068,7 +5339,7 @@
                   <a:schemeClr val="tx1"/>
                 </a:solidFill>
               </a:rPr>
-              <a:t>&lt;&lt;Fileman&gt;&gt;</a:t>
+              <a:t>&lt;&lt;Angular-Frontend&gt;&gt;</a:t>
             </a:r>
             <a:endParaRPr lang="de-DE" b="1" dirty="0">
               <a:solidFill>
@@ -5080,69 +5351,23 @@
       </p:sp>
       <p:sp>
         <p:nvSpPr>
-          <p:cNvPr id="66" name="Textfeld 65"/>
-          <p:cNvSpPr txBox="1"/>
-          <p:nvPr/>
-        </p:nvSpPr>
-        <p:spPr>
-          <a:xfrm>
-            <a:off x="1348968" y="3129212"/>
-            <a:ext cx="954107" cy="271869"/>
-          </a:xfrm>
-          <a:prstGeom prst="rect">
-            <a:avLst/>
-          </a:prstGeom>
-          <a:noFill/>
-        </p:spPr>
-        <p:txBody>
-          <a:bodyPr wrap="none" rtlCol="0">
-            <a:spAutoFit/>
-          </a:bodyPr>
-          <a:lstStyle/>
-          <a:p>
-            <a:pPr algn="r">
-              <a:lnSpc>
-                <a:spcPts val="1400"/>
-              </a:lnSpc>
-            </a:pPr>
-            <a:r>
-              <a:rPr lang="de-DE" sz="1400" b="1" i="1" dirty="0" smtClean="0">
-                <a:solidFill>
-                  <a:schemeClr val="tx2"/>
-                </a:solidFill>
-              </a:rPr>
-              <a:t>CRUD files</a:t>
-            </a:r>
-          </a:p>
-        </p:txBody>
-      </p:sp>
-      <p:sp>
-        <p:nvSpPr>
-          <p:cNvPr id="18" name="Smiley 17"/>
+          <p:cNvPr id="29" name="Flussdiagramm: Prozess 28"/>
           <p:cNvSpPr/>
           <p:nvPr/>
         </p:nvSpPr>
         <p:spPr>
           <a:xfrm>
-            <a:off x="323528" y="3011524"/>
-            <a:ext cx="792088" cy="720080"/>
-          </a:xfrm>
-          <a:prstGeom prst="smileyFace">
+            <a:off x="1227820" y="3861048"/>
+            <a:ext cx="6904384" cy="1656184"/>
+          </a:xfrm>
+          <a:prstGeom prst="flowChartProcess">
             <a:avLst/>
           </a:prstGeom>
           <a:solidFill>
-            <a:schemeClr val="accent6">
-              <a:lumMod val="20000"/>
-              <a:lumOff val="80000"/>
+            <a:schemeClr val="bg1">
+              <a:lumMod val="85000"/>
             </a:schemeClr>
           </a:solidFill>
-          <a:ln>
-            <a:solidFill>
-              <a:schemeClr val="accent6">
-                <a:lumMod val="50000"/>
-              </a:schemeClr>
-            </a:solidFill>
-          </a:ln>
         </p:spPr>
         <p:style>
           <a:lnRef idx="2">
@@ -5161,259 +5386,146 @@
           </a:fontRef>
         </p:style>
         <p:txBody>
-          <a:bodyPr rtlCol="0" anchor="ctr"/>
-          <a:lstStyle/>
-          <a:p>
-            <a:pPr algn="ctr"/>
-            <a:endParaRPr lang="de-DE" dirty="0"/>
-          </a:p>
-        </p:txBody>
-      </p:sp>
-      <p:sp>
-        <p:nvSpPr>
-          <p:cNvPr id="20" name="Smiley 19"/>
-          <p:cNvSpPr/>
-          <p:nvPr/>
-        </p:nvSpPr>
-        <p:spPr>
-          <a:xfrm>
-            <a:off x="363725" y="4465635"/>
-            <a:ext cx="792088" cy="720080"/>
-          </a:xfrm>
-          <a:prstGeom prst="smileyFace">
-            <a:avLst/>
-          </a:prstGeom>
-          <a:solidFill>
-            <a:schemeClr val="accent6">
-              <a:lumMod val="20000"/>
-              <a:lumOff val="80000"/>
-            </a:schemeClr>
-          </a:solidFill>
-          <a:ln>
-            <a:solidFill>
-              <a:schemeClr val="accent6">
-                <a:lumMod val="50000"/>
-              </a:schemeClr>
-            </a:solidFill>
-          </a:ln>
-        </p:spPr>
-        <p:style>
-          <a:lnRef idx="2">
-            <a:schemeClr val="accent1">
-              <a:shade val="50000"/>
-            </a:schemeClr>
-          </a:lnRef>
-          <a:fillRef idx="1">
-            <a:schemeClr val="accent1"/>
-          </a:fillRef>
-          <a:effectRef idx="0">
-            <a:schemeClr val="accent1"/>
-          </a:effectRef>
-          <a:fontRef idx="minor">
-            <a:schemeClr val="lt1"/>
-          </a:fontRef>
-        </p:style>
-        <p:txBody>
-          <a:bodyPr rtlCol="0" anchor="ctr"/>
-          <a:lstStyle/>
-          <a:p>
-            <a:pPr algn="ctr"/>
-            <a:endParaRPr lang="de-DE" dirty="0"/>
-          </a:p>
-        </p:txBody>
-      </p:sp>
-      <p:sp>
-        <p:nvSpPr>
-          <p:cNvPr id="5" name="Textfeld 4"/>
-          <p:cNvSpPr txBox="1"/>
-          <p:nvPr/>
-        </p:nvSpPr>
-        <p:spPr>
-          <a:xfrm flipH="1">
-            <a:off x="363725" y="5147900"/>
-            <a:ext cx="1200792" cy="369332"/>
-          </a:xfrm>
-          <a:prstGeom prst="rect">
-            <a:avLst/>
-          </a:prstGeom>
-          <a:noFill/>
-        </p:spPr>
-        <p:txBody>
-          <a:bodyPr wrap="square" rtlCol="0">
-            <a:spAutoFit/>
-          </a:bodyPr>
-          <a:lstStyle/>
-          <a:p>
-            <a:r>
-              <a:rPr lang="de-DE" dirty="0" smtClean="0"/>
-              <a:t>Reader</a:t>
-            </a:r>
-            <a:endParaRPr lang="de-DE" dirty="0"/>
-          </a:p>
-        </p:txBody>
-      </p:sp>
-      <p:sp>
-        <p:nvSpPr>
-          <p:cNvPr id="21" name="Textfeld 20"/>
-          <p:cNvSpPr txBox="1"/>
-          <p:nvPr/>
-        </p:nvSpPr>
-        <p:spPr>
-          <a:xfrm flipH="1">
-            <a:off x="346872" y="3698115"/>
-            <a:ext cx="1200792" cy="369332"/>
-          </a:xfrm>
-          <a:prstGeom prst="rect">
-            <a:avLst/>
-          </a:prstGeom>
-          <a:noFill/>
-        </p:spPr>
-        <p:txBody>
-          <a:bodyPr wrap="square" rtlCol="0">
-            <a:spAutoFit/>
-          </a:bodyPr>
-          <a:lstStyle/>
-          <a:p>
-            <a:r>
-              <a:rPr lang="de-DE" dirty="0" smtClean="0"/>
-              <a:t>Writer</a:t>
-            </a:r>
-            <a:endParaRPr lang="de-DE" dirty="0"/>
-          </a:p>
-        </p:txBody>
-      </p:sp>
-      <p:sp>
-        <p:nvSpPr>
-          <p:cNvPr id="24" name="Textfeld 23"/>
-          <p:cNvSpPr txBox="1"/>
-          <p:nvPr/>
-        </p:nvSpPr>
-        <p:spPr>
-          <a:xfrm flipH="1">
-            <a:off x="342241" y="1988840"/>
-            <a:ext cx="1200792" cy="369332"/>
-          </a:xfrm>
-          <a:prstGeom prst="rect">
-            <a:avLst/>
-          </a:prstGeom>
-          <a:noFill/>
-        </p:spPr>
-        <p:txBody>
-          <a:bodyPr wrap="square" rtlCol="0">
-            <a:spAutoFit/>
-          </a:bodyPr>
-          <a:lstStyle/>
-          <a:p>
-            <a:r>
-              <a:rPr lang="de-DE" dirty="0" smtClean="0"/>
-              <a:t>Admin</a:t>
-            </a:r>
-            <a:endParaRPr lang="de-DE" dirty="0"/>
-          </a:p>
-        </p:txBody>
-      </p:sp>
-      <p:sp>
-        <p:nvSpPr>
-          <p:cNvPr id="26" name="Textfeld 25"/>
-          <p:cNvSpPr txBox="1"/>
-          <p:nvPr/>
-        </p:nvSpPr>
-        <p:spPr>
-          <a:xfrm>
-            <a:off x="1403648" y="1833215"/>
-            <a:ext cx="1426994" cy="271869"/>
-          </a:xfrm>
-          <a:prstGeom prst="rect">
-            <a:avLst/>
-          </a:prstGeom>
-          <a:noFill/>
-        </p:spPr>
-        <p:txBody>
-          <a:bodyPr wrap="none" rtlCol="0">
-            <a:spAutoFit/>
-          </a:bodyPr>
-          <a:lstStyle/>
-          <a:p>
-            <a:pPr algn="r">
-              <a:lnSpc>
-                <a:spcPts val="1400"/>
-              </a:lnSpc>
-            </a:pPr>
-            <a:r>
-              <a:rPr lang="de-DE" sz="1400" b="1" i="1" dirty="0" smtClean="0">
-                <a:solidFill>
-                  <a:schemeClr val="tx2"/>
-                </a:solidFill>
-              </a:rPr>
-              <a:t>CRUD users, files</a:t>
-            </a:r>
-          </a:p>
-        </p:txBody>
-      </p:sp>
-      <p:sp>
-        <p:nvSpPr>
-          <p:cNvPr id="27" name="Textfeld 26"/>
-          <p:cNvSpPr txBox="1"/>
-          <p:nvPr/>
-        </p:nvSpPr>
-        <p:spPr>
-          <a:xfrm>
-            <a:off x="1445283" y="4453275"/>
-            <a:ext cx="1326517" cy="271869"/>
-          </a:xfrm>
-          <a:prstGeom prst="rect">
-            <a:avLst/>
-          </a:prstGeom>
-          <a:noFill/>
-        </p:spPr>
-        <p:txBody>
-          <a:bodyPr wrap="none" rtlCol="0">
-            <a:spAutoFit/>
-          </a:bodyPr>
-          <a:lstStyle/>
-          <a:p>
-            <a:pPr algn="r">
-              <a:lnSpc>
-                <a:spcPts val="1400"/>
-              </a:lnSpc>
-            </a:pPr>
-            <a:r>
-              <a:rPr lang="de-DE" sz="1400" b="1" i="1" dirty="0">
-                <a:solidFill>
-                  <a:schemeClr val="tx2"/>
-                </a:solidFill>
-              </a:rPr>
-              <a:t>v</a:t>
-            </a:r>
-            <a:r>
-              <a:rPr lang="de-DE" sz="1400" b="1" i="1" dirty="0" smtClean="0">
-                <a:solidFill>
-                  <a:schemeClr val="tx2"/>
-                </a:solidFill>
-              </a:rPr>
-              <a:t>iew, fetch files</a:t>
-            </a:r>
+          <a:bodyPr rtlCol="0" anchor="t" anchorCtr="0"/>
+          <a:lstStyle>
+            <a:defPPr>
+              <a:defRPr lang="de-DE"/>
+            </a:defPPr>
+            <a:lvl1pPr marL="0" algn="l" defTabSz="914400" rtl="0" eaLnBrk="1" latinLnBrk="0" hangingPunct="1">
+              <a:defRPr sz="1800" kern="1200">
+                <a:solidFill>
+                  <a:schemeClr val="lt1"/>
+                </a:solidFill>
+                <a:latin typeface="+mn-lt"/>
+                <a:ea typeface="+mn-ea"/>
+                <a:cs typeface="+mn-cs"/>
+              </a:defRPr>
+            </a:lvl1pPr>
+            <a:lvl2pPr marL="457200" algn="l" defTabSz="914400" rtl="0" eaLnBrk="1" latinLnBrk="0" hangingPunct="1">
+              <a:defRPr sz="1800" kern="1200">
+                <a:solidFill>
+                  <a:schemeClr val="lt1"/>
+                </a:solidFill>
+                <a:latin typeface="+mn-lt"/>
+                <a:ea typeface="+mn-ea"/>
+                <a:cs typeface="+mn-cs"/>
+              </a:defRPr>
+            </a:lvl2pPr>
+            <a:lvl3pPr marL="914400" algn="l" defTabSz="914400" rtl="0" eaLnBrk="1" latinLnBrk="0" hangingPunct="1">
+              <a:defRPr sz="1800" kern="1200">
+                <a:solidFill>
+                  <a:schemeClr val="lt1"/>
+                </a:solidFill>
+                <a:latin typeface="+mn-lt"/>
+                <a:ea typeface="+mn-ea"/>
+                <a:cs typeface="+mn-cs"/>
+              </a:defRPr>
+            </a:lvl3pPr>
+            <a:lvl4pPr marL="1371600" algn="l" defTabSz="914400" rtl="0" eaLnBrk="1" latinLnBrk="0" hangingPunct="1">
+              <a:defRPr sz="1800" kern="1200">
+                <a:solidFill>
+                  <a:schemeClr val="lt1"/>
+                </a:solidFill>
+                <a:latin typeface="+mn-lt"/>
+                <a:ea typeface="+mn-ea"/>
+                <a:cs typeface="+mn-cs"/>
+              </a:defRPr>
+            </a:lvl4pPr>
+            <a:lvl5pPr marL="1828800" algn="l" defTabSz="914400" rtl="0" eaLnBrk="1" latinLnBrk="0" hangingPunct="1">
+              <a:defRPr sz="1800" kern="1200">
+                <a:solidFill>
+                  <a:schemeClr val="lt1"/>
+                </a:solidFill>
+                <a:latin typeface="+mn-lt"/>
+                <a:ea typeface="+mn-ea"/>
+                <a:cs typeface="+mn-cs"/>
+              </a:defRPr>
+            </a:lvl5pPr>
+            <a:lvl6pPr marL="2286000" algn="l" defTabSz="914400" rtl="0" eaLnBrk="1" latinLnBrk="0" hangingPunct="1">
+              <a:defRPr sz="1800" kern="1200">
+                <a:solidFill>
+                  <a:schemeClr val="lt1"/>
+                </a:solidFill>
+                <a:latin typeface="+mn-lt"/>
+                <a:ea typeface="+mn-ea"/>
+                <a:cs typeface="+mn-cs"/>
+              </a:defRPr>
+            </a:lvl6pPr>
+            <a:lvl7pPr marL="2743200" algn="l" defTabSz="914400" rtl="0" eaLnBrk="1" latinLnBrk="0" hangingPunct="1">
+              <a:defRPr sz="1800" kern="1200">
+                <a:solidFill>
+                  <a:schemeClr val="lt1"/>
+                </a:solidFill>
+                <a:latin typeface="+mn-lt"/>
+                <a:ea typeface="+mn-ea"/>
+                <a:cs typeface="+mn-cs"/>
+              </a:defRPr>
+            </a:lvl7pPr>
+            <a:lvl8pPr marL="3200400" algn="l" defTabSz="914400" rtl="0" eaLnBrk="1" latinLnBrk="0" hangingPunct="1">
+              <a:defRPr sz="1800" kern="1200">
+                <a:solidFill>
+                  <a:schemeClr val="lt1"/>
+                </a:solidFill>
+                <a:latin typeface="+mn-lt"/>
+                <a:ea typeface="+mn-ea"/>
+                <a:cs typeface="+mn-cs"/>
+              </a:defRPr>
+            </a:lvl8pPr>
+            <a:lvl9pPr marL="3657600" algn="l" defTabSz="914400" rtl="0" eaLnBrk="1" latinLnBrk="0" hangingPunct="1">
+              <a:defRPr sz="1800" kern="1200">
+                <a:solidFill>
+                  <a:schemeClr val="lt1"/>
+                </a:solidFill>
+                <a:latin typeface="+mn-lt"/>
+                <a:ea typeface="+mn-ea"/>
+                <a:cs typeface="+mn-cs"/>
+              </a:defRPr>
+            </a:lvl9pPr>
+          </a:lstStyle>
+          <a:p>
+            <a:pPr algn="r"/>
+            <a:r>
+              <a:rPr lang="de-DE" b="1" dirty="0" smtClean="0">
+                <a:solidFill>
+                  <a:schemeClr val="tx1"/>
+                </a:solidFill>
+              </a:rPr>
+              <a:t>&lt;&lt;Spring-Boot-Backend</a:t>
+            </a:r>
+            <a:r>
+              <a:rPr lang="de-DE" b="1" dirty="0" smtClean="0">
+                <a:solidFill>
+                  <a:schemeClr val="tx1"/>
+                </a:solidFill>
+              </a:rPr>
+              <a:t>&gt;&gt;</a:t>
+            </a:r>
+            <a:endParaRPr lang="de-DE" b="1" dirty="0">
+              <a:solidFill>
+                <a:schemeClr val="tx1"/>
+              </a:solidFill>
+            </a:endParaRPr>
           </a:p>
         </p:txBody>
       </p:sp>
       <p:cxnSp>
         <p:nvCxnSpPr>
-          <p:cNvPr id="28" name="Gerade Verbindung mit Pfeil 27"/>
+          <p:cNvPr id="31" name="Gerade Verbindung mit Pfeil 30"/>
           <p:cNvCxnSpPr>
-            <a:stCxn id="44" idx="1"/>
-            <a:endCxn id="36" idx="3"/>
+            <a:stCxn id="25" idx="2"/>
           </p:cNvCxnSpPr>
           <p:nvPr/>
         </p:nvCxnSpPr>
         <p:spPr>
-          <a:xfrm flipH="1">
-            <a:off x="6156176" y="2230450"/>
-            <a:ext cx="1476163" cy="1126542"/>
+          <a:xfrm>
+            <a:off x="4639816" y="3068960"/>
+            <a:ext cx="4192" cy="792088"/>
           </a:xfrm>
           <a:prstGeom prst="straightConnector1">
             <a:avLst/>
           </a:prstGeom>
-          <a:ln>
+          <a:ln w="15875">
+            <a:headEnd type="triangle" w="lg" len="lg"/>
             <a:tailEnd type="triangle" w="lg" len="lg"/>
           </a:ln>
         </p:spPr>
@@ -5432,270 +5544,16 @@
           </a:fontRef>
         </p:style>
       </p:cxnSp>
-      <p:cxnSp>
-        <p:nvCxnSpPr>
-          <p:cNvPr id="35" name="Gerade Verbindung mit Pfeil 34"/>
-          <p:cNvCxnSpPr>
-            <a:stCxn id="4" idx="6"/>
-            <a:endCxn id="36" idx="1"/>
-          </p:cNvCxnSpPr>
-          <p:nvPr/>
-        </p:nvCxnSpPr>
-        <p:spPr>
-          <a:xfrm>
-            <a:off x="1115616" y="1655797"/>
-            <a:ext cx="1800200" cy="1701195"/>
-          </a:xfrm>
-          <a:prstGeom prst="straightConnector1">
-            <a:avLst/>
-          </a:prstGeom>
-          <a:ln>
-            <a:tailEnd type="triangle" w="lg" len="lg"/>
-          </a:ln>
-        </p:spPr>
-        <p:style>
-          <a:lnRef idx="1">
-            <a:schemeClr val="accent1"/>
-          </a:lnRef>
-          <a:fillRef idx="0">
-            <a:schemeClr val="accent1"/>
-          </a:fillRef>
-          <a:effectRef idx="0">
-            <a:schemeClr val="accent1"/>
-          </a:effectRef>
-          <a:fontRef idx="minor">
-            <a:schemeClr val="tx1"/>
-          </a:fontRef>
-        </p:style>
-      </p:cxnSp>
-      <p:cxnSp>
-        <p:nvCxnSpPr>
-          <p:cNvPr id="37" name="Gerade Verbindung mit Pfeil 36"/>
-          <p:cNvCxnSpPr>
-            <a:stCxn id="20" idx="6"/>
-            <a:endCxn id="36" idx="1"/>
-          </p:cNvCxnSpPr>
-          <p:nvPr/>
-        </p:nvCxnSpPr>
-        <p:spPr>
-          <a:xfrm flipV="1">
-            <a:off x="1155813" y="3356992"/>
-            <a:ext cx="1760003" cy="1468683"/>
-          </a:xfrm>
-          <a:prstGeom prst="straightConnector1">
-            <a:avLst/>
-          </a:prstGeom>
-          <a:ln>
-            <a:tailEnd type="triangle" w="lg" len="lg"/>
-          </a:ln>
-        </p:spPr>
-        <p:style>
-          <a:lnRef idx="1">
-            <a:schemeClr val="accent1"/>
-          </a:lnRef>
-          <a:fillRef idx="0">
-            <a:schemeClr val="accent1"/>
-          </a:fillRef>
-          <a:effectRef idx="0">
-            <a:schemeClr val="accent1"/>
-          </a:effectRef>
-          <a:fontRef idx="minor">
-            <a:schemeClr val="tx1"/>
-          </a:fontRef>
-        </p:style>
-      </p:cxnSp>
-      <p:sp>
-        <p:nvSpPr>
-          <p:cNvPr id="44" name="Flussdiagramm: Prozess 43"/>
-          <p:cNvSpPr/>
-          <p:nvPr/>
-        </p:nvSpPr>
-        <p:spPr>
-          <a:xfrm>
-            <a:off x="7632339" y="1319931"/>
-            <a:ext cx="1367067" cy="1821037"/>
-          </a:xfrm>
-          <a:prstGeom prst="flowChartProcess">
-            <a:avLst/>
-          </a:prstGeom>
-          <a:solidFill>
-            <a:schemeClr val="bg1">
-              <a:lumMod val="95000"/>
-            </a:schemeClr>
-          </a:solidFill>
-        </p:spPr>
-        <p:style>
-          <a:lnRef idx="2">
-            <a:schemeClr val="accent1">
-              <a:shade val="50000"/>
-            </a:schemeClr>
-          </a:lnRef>
-          <a:fillRef idx="1">
-            <a:schemeClr val="accent1"/>
-          </a:fillRef>
-          <a:effectRef idx="0">
-            <a:schemeClr val="accent1"/>
-          </a:effectRef>
-          <a:fontRef idx="minor">
-            <a:schemeClr val="lt1"/>
-          </a:fontRef>
-        </p:style>
-        <p:txBody>
-          <a:bodyPr rtlCol="0" anchor="t" anchorCtr="0"/>
-          <a:lstStyle/>
-          <a:p>
-            <a:pPr algn="r"/>
-            <a:r>
-              <a:rPr lang="de-DE" b="1" dirty="0" smtClean="0">
-                <a:solidFill>
-                  <a:schemeClr val="tx1"/>
-                </a:solidFill>
-              </a:rPr>
-              <a:t>&lt;&lt;App1</a:t>
-            </a:r>
-            <a:r>
-              <a:rPr lang="de-DE" b="1" dirty="0" smtClean="0">
-                <a:solidFill>
-                  <a:schemeClr val="tx1"/>
-                </a:solidFill>
-              </a:rPr>
-              <a:t>&gt;&gt;</a:t>
-            </a:r>
-            <a:endParaRPr lang="de-DE" b="1" dirty="0">
-              <a:solidFill>
-                <a:schemeClr val="tx1"/>
-              </a:solidFill>
-            </a:endParaRPr>
-          </a:p>
-        </p:txBody>
-      </p:sp>
-      <p:sp>
-        <p:nvSpPr>
-          <p:cNvPr id="45" name="Flussdiagramm: Prozess 44"/>
-          <p:cNvSpPr/>
-          <p:nvPr/>
-        </p:nvSpPr>
-        <p:spPr>
-          <a:xfrm>
-            <a:off x="7632338" y="3552179"/>
-            <a:ext cx="1367067" cy="1821037"/>
-          </a:xfrm>
-          <a:prstGeom prst="flowChartProcess">
-            <a:avLst/>
-          </a:prstGeom>
-          <a:solidFill>
-            <a:schemeClr val="bg1">
-              <a:lumMod val="95000"/>
-            </a:schemeClr>
-          </a:solidFill>
-        </p:spPr>
-        <p:style>
-          <a:lnRef idx="2">
-            <a:schemeClr val="accent1">
-              <a:shade val="50000"/>
-            </a:schemeClr>
-          </a:lnRef>
-          <a:fillRef idx="1">
-            <a:schemeClr val="accent1"/>
-          </a:fillRef>
-          <a:effectRef idx="0">
-            <a:schemeClr val="accent1"/>
-          </a:effectRef>
-          <a:fontRef idx="minor">
-            <a:schemeClr val="lt1"/>
-          </a:fontRef>
-        </p:style>
-        <p:txBody>
-          <a:bodyPr rtlCol="0" anchor="t" anchorCtr="0"/>
-          <a:lstStyle/>
-          <a:p>
-            <a:pPr algn="r"/>
-            <a:r>
-              <a:rPr lang="de-DE" b="1" dirty="0" smtClean="0">
-                <a:solidFill>
-                  <a:schemeClr val="tx1"/>
-                </a:solidFill>
-              </a:rPr>
-              <a:t>&lt;&lt;</a:t>
-            </a:r>
-            <a:r>
-              <a:rPr lang="de-DE" b="1" dirty="0" smtClean="0">
-                <a:solidFill>
-                  <a:schemeClr val="tx1"/>
-                </a:solidFill>
-              </a:rPr>
-              <a:t>App</a:t>
-            </a:r>
-            <a:r>
-              <a:rPr lang="de-DE" b="1" dirty="0" smtClean="0">
-                <a:solidFill>
-                  <a:schemeClr val="tx1"/>
-                </a:solidFill>
-              </a:rPr>
-              <a:t>2</a:t>
-            </a:r>
-            <a:r>
-              <a:rPr lang="de-DE" b="1" dirty="0" smtClean="0">
-                <a:solidFill>
-                  <a:schemeClr val="tx1"/>
-                </a:solidFill>
-              </a:rPr>
-              <a:t>&gt;&gt;</a:t>
-            </a:r>
-            <a:endParaRPr lang="de-DE" b="1" dirty="0">
-              <a:solidFill>
-                <a:schemeClr val="tx1"/>
-              </a:solidFill>
-            </a:endParaRPr>
-          </a:p>
-        </p:txBody>
-      </p:sp>
-      <p:cxnSp>
-        <p:nvCxnSpPr>
-          <p:cNvPr id="48" name="Gerade Verbindung mit Pfeil 47"/>
-          <p:cNvCxnSpPr>
-            <a:stCxn id="45" idx="1"/>
-            <a:endCxn id="36" idx="3"/>
-          </p:cNvCxnSpPr>
-          <p:nvPr/>
-        </p:nvCxnSpPr>
-        <p:spPr>
-          <a:xfrm flipH="1" flipV="1">
-            <a:off x="6156176" y="3356992"/>
-            <a:ext cx="1476162" cy="1105706"/>
-          </a:xfrm>
-          <a:prstGeom prst="straightConnector1">
-            <a:avLst/>
-          </a:prstGeom>
-          <a:ln>
-            <a:tailEnd type="triangle" w="lg" len="lg"/>
-          </a:ln>
-        </p:spPr>
-        <p:style>
-          <a:lnRef idx="1">
-            <a:schemeClr val="accent1"/>
-          </a:lnRef>
-          <a:fillRef idx="0">
-            <a:schemeClr val="accent1"/>
-          </a:fillRef>
-          <a:effectRef idx="0">
-            <a:schemeClr val="accent1"/>
-          </a:effectRef>
-          <a:fontRef idx="minor">
-            <a:schemeClr val="tx1"/>
-          </a:fontRef>
-        </p:style>
-      </p:cxnSp>
-      <p:sp>
-        <p:nvSpPr>
-          <p:cNvPr id="56" name="Textfeld 55"/>
+      <p:sp>
+        <p:nvSpPr>
+          <p:cNvPr id="32" name="Textfeld 5"/>
           <p:cNvSpPr txBox="1"/>
           <p:nvPr/>
         </p:nvSpPr>
         <p:spPr>
           <a:xfrm>
-            <a:off x="6444678" y="4110739"/>
-            <a:ext cx="899157" cy="271869"/>
+            <a:off x="4636912" y="3280338"/>
+            <a:ext cx="1139286" cy="338554"/>
           </a:xfrm>
           <a:prstGeom prst="rect">
             <a:avLst/>
@@ -5706,105 +5564,131 @@
           <a:bodyPr wrap="none" rtlCol="0">
             <a:spAutoFit/>
           </a:bodyPr>
-          <a:lstStyle/>
-          <a:p>
-            <a:pPr algn="r">
-              <a:lnSpc>
-                <a:spcPts val="1400"/>
-              </a:lnSpc>
-            </a:pPr>
-            <a:r>
-              <a:rPr lang="de-DE" sz="1400" b="1" i="1" dirty="0" smtClean="0">
-                <a:solidFill>
-                  <a:schemeClr val="tx2"/>
-                </a:solidFill>
-              </a:rPr>
-              <a:t>fetch files</a:t>
-            </a:r>
-          </a:p>
-        </p:txBody>
-      </p:sp>
-      <p:sp>
-        <p:nvSpPr>
-          <p:cNvPr id="61" name="Textfeld 60"/>
-          <p:cNvSpPr txBox="1"/>
-          <p:nvPr/>
-        </p:nvSpPr>
-        <p:spPr>
-          <a:xfrm>
-            <a:off x="6444677" y="2310539"/>
-            <a:ext cx="899157" cy="271869"/>
-          </a:xfrm>
-          <a:prstGeom prst="rect">
-            <a:avLst/>
-          </a:prstGeom>
-          <a:noFill/>
-        </p:spPr>
-        <p:txBody>
-          <a:bodyPr wrap="none" rtlCol="0">
-            <a:spAutoFit/>
-          </a:bodyPr>
-          <a:lstStyle/>
-          <a:p>
-            <a:pPr algn="r">
-              <a:lnSpc>
-                <a:spcPts val="1400"/>
-              </a:lnSpc>
-            </a:pPr>
-            <a:r>
-              <a:rPr lang="de-DE" sz="1400" b="1" i="1" dirty="0" smtClean="0">
-                <a:solidFill>
-                  <a:schemeClr val="tx2"/>
-                </a:solidFill>
-              </a:rPr>
-              <a:t>fetch files</a:t>
-            </a:r>
-          </a:p>
-        </p:txBody>
-      </p:sp>
-      <p:sp>
-        <p:nvSpPr>
-          <p:cNvPr id="2" name="Textfeld 1"/>
-          <p:cNvSpPr txBox="1"/>
-          <p:nvPr/>
-        </p:nvSpPr>
-        <p:spPr>
-          <a:xfrm>
-            <a:off x="2830642" y="315832"/>
-            <a:ext cx="3402919" cy="461665"/>
-          </a:xfrm>
-          <a:prstGeom prst="rect">
-            <a:avLst/>
-          </a:prstGeom>
-          <a:noFill/>
-        </p:spPr>
-        <p:txBody>
-          <a:bodyPr wrap="none" rtlCol="0">
-            <a:spAutoFit/>
-          </a:bodyPr>
-          <a:lstStyle/>
-          <a:p>
-            <a:r>
-              <a:rPr lang="de-DE" sz="2400" b="1" dirty="0" err="1" smtClean="0"/>
-              <a:t>Fileman</a:t>
-            </a:r>
-            <a:r>
-              <a:rPr lang="de-DE" sz="2400" b="1" dirty="0" smtClean="0"/>
-              <a:t> </a:t>
-            </a:r>
-            <a:r>
-              <a:rPr lang="de-DE" sz="2400" b="1" dirty="0" err="1" smtClean="0"/>
-              <a:t>Context</a:t>
-            </a:r>
-            <a:r>
-              <a:rPr lang="de-DE" sz="2400" b="1" dirty="0" smtClean="0"/>
-              <a:t> </a:t>
-            </a:r>
-            <a:r>
-              <a:rPr lang="de-DE" sz="2400" b="1" dirty="0" err="1" smtClean="0"/>
-              <a:t>Diagram</a:t>
-            </a:r>
-            <a:endParaRPr lang="de-DE" sz="2400" b="1" dirty="0"/>
+          <a:lstStyle>
+            <a:defPPr>
+              <a:defRPr lang="de-DE"/>
+            </a:defPPr>
+            <a:lvl1pPr marL="0" algn="l" defTabSz="914400" rtl="0" eaLnBrk="1" latinLnBrk="0" hangingPunct="1">
+              <a:defRPr sz="1800" kern="1200">
+                <a:solidFill>
+                  <a:schemeClr val="tx1"/>
+                </a:solidFill>
+                <a:latin typeface="+mn-lt"/>
+                <a:ea typeface="+mn-ea"/>
+                <a:cs typeface="+mn-cs"/>
+              </a:defRPr>
+            </a:lvl1pPr>
+            <a:lvl2pPr marL="457200" algn="l" defTabSz="914400" rtl="0" eaLnBrk="1" latinLnBrk="0" hangingPunct="1">
+              <a:defRPr sz="1800" kern="1200">
+                <a:solidFill>
+                  <a:schemeClr val="tx1"/>
+                </a:solidFill>
+                <a:latin typeface="+mn-lt"/>
+                <a:ea typeface="+mn-ea"/>
+                <a:cs typeface="+mn-cs"/>
+              </a:defRPr>
+            </a:lvl2pPr>
+            <a:lvl3pPr marL="914400" algn="l" defTabSz="914400" rtl="0" eaLnBrk="1" latinLnBrk="0" hangingPunct="1">
+              <a:defRPr sz="1800" kern="1200">
+                <a:solidFill>
+                  <a:schemeClr val="tx1"/>
+                </a:solidFill>
+                <a:latin typeface="+mn-lt"/>
+                <a:ea typeface="+mn-ea"/>
+                <a:cs typeface="+mn-cs"/>
+              </a:defRPr>
+            </a:lvl3pPr>
+            <a:lvl4pPr marL="1371600" algn="l" defTabSz="914400" rtl="0" eaLnBrk="1" latinLnBrk="0" hangingPunct="1">
+              <a:defRPr sz="1800" kern="1200">
+                <a:solidFill>
+                  <a:schemeClr val="tx1"/>
+                </a:solidFill>
+                <a:latin typeface="+mn-lt"/>
+                <a:ea typeface="+mn-ea"/>
+                <a:cs typeface="+mn-cs"/>
+              </a:defRPr>
+            </a:lvl4pPr>
+            <a:lvl5pPr marL="1828800" algn="l" defTabSz="914400" rtl="0" eaLnBrk="1" latinLnBrk="0" hangingPunct="1">
+              <a:defRPr sz="1800" kern="1200">
+                <a:solidFill>
+                  <a:schemeClr val="tx1"/>
+                </a:solidFill>
+                <a:latin typeface="+mn-lt"/>
+                <a:ea typeface="+mn-ea"/>
+                <a:cs typeface="+mn-cs"/>
+              </a:defRPr>
+            </a:lvl5pPr>
+            <a:lvl6pPr marL="2286000" algn="l" defTabSz="914400" rtl="0" eaLnBrk="1" latinLnBrk="0" hangingPunct="1">
+              <a:defRPr sz="1800" kern="1200">
+                <a:solidFill>
+                  <a:schemeClr val="tx1"/>
+                </a:solidFill>
+                <a:latin typeface="+mn-lt"/>
+                <a:ea typeface="+mn-ea"/>
+                <a:cs typeface="+mn-cs"/>
+              </a:defRPr>
+            </a:lvl6pPr>
+            <a:lvl7pPr marL="2743200" algn="l" defTabSz="914400" rtl="0" eaLnBrk="1" latinLnBrk="0" hangingPunct="1">
+              <a:defRPr sz="1800" kern="1200">
+                <a:solidFill>
+                  <a:schemeClr val="tx1"/>
+                </a:solidFill>
+                <a:latin typeface="+mn-lt"/>
+                <a:ea typeface="+mn-ea"/>
+                <a:cs typeface="+mn-cs"/>
+              </a:defRPr>
+            </a:lvl7pPr>
+            <a:lvl8pPr marL="3200400" algn="l" defTabSz="914400" rtl="0" eaLnBrk="1" latinLnBrk="0" hangingPunct="1">
+              <a:defRPr sz="1800" kern="1200">
+                <a:solidFill>
+                  <a:schemeClr val="tx1"/>
+                </a:solidFill>
+                <a:latin typeface="+mn-lt"/>
+                <a:ea typeface="+mn-ea"/>
+                <a:cs typeface="+mn-cs"/>
+              </a:defRPr>
+            </a:lvl8pPr>
+            <a:lvl9pPr marL="3657600" algn="l" defTabSz="914400" rtl="0" eaLnBrk="1" latinLnBrk="0" hangingPunct="1">
+              <a:defRPr sz="1800" kern="1200">
+                <a:solidFill>
+                  <a:schemeClr val="tx1"/>
+                </a:solidFill>
+                <a:latin typeface="+mn-lt"/>
+                <a:ea typeface="+mn-ea"/>
+                <a:cs typeface="+mn-cs"/>
+              </a:defRPr>
+            </a:lvl9pPr>
+          </a:lstStyle>
+          <a:p>
+            <a:r>
+              <a:rPr lang="de-DE" sz="1600" b="1" dirty="0" smtClean="0">
+                <a:solidFill>
+                  <a:srgbClr val="4F81BD"/>
+                </a:solidFill>
+              </a:rPr>
+              <a:t>REST (</a:t>
+            </a:r>
+            <a:r>
+              <a:rPr lang="de-DE" sz="1600" b="1" dirty="0" err="1" smtClean="0">
+                <a:solidFill>
+                  <a:srgbClr val="4F81BD"/>
+                </a:solidFill>
+              </a:rPr>
+              <a:t>Json</a:t>
+            </a:r>
+            <a:r>
+              <a:rPr lang="de-DE" sz="1600" b="1" dirty="0" smtClean="0">
+                <a:solidFill>
+                  <a:srgbClr val="4F81BD"/>
+                </a:solidFill>
+              </a:rPr>
+              <a:t>)</a:t>
+            </a:r>
+            <a:endParaRPr lang="de-DE" sz="1600" b="1" dirty="0">
+              <a:solidFill>
+                <a:srgbClr val="4F81BD"/>
+              </a:solidFill>
+            </a:endParaRPr>
           </a:p>
         </p:txBody>
       </p:sp>
